--- a/trabalhos/TI.pptx
+++ b/trabalhos/TI.pptx
@@ -69,7 +69,7 @@
         <p:txBody>
           <a:bodyPr/>
           <a:p>
-            <a:fld id="{4A7B087F-C19C-4461-BF4D-18318ECAFDD2}" type="slidenum">
+            <a:fld id="{84882988-32FB-4B5D-8551-A53EE249F83A}" type="slidenum">
               <a:t>&lt;#&gt;</a:t>
             </a:fld>
           </a:p>
@@ -257,7 +257,7 @@
         <p:txBody>
           <a:bodyPr/>
           <a:p>
-            <a:fld id="{0418C4B6-A045-4AF9-A841-F5B85F0DA0BF}" type="slidenum">
+            <a:fld id="{4F763DF8-E8CD-4639-AE04-07F8984F6026}" type="slidenum">
               <a:t>&lt;#&gt;</a:t>
             </a:fld>
           </a:p>
@@ -513,7 +513,7 @@
         <p:txBody>
           <a:bodyPr/>
           <a:p>
-            <a:fld id="{ACF0D8D0-066B-4417-989D-306FB5905DF3}" type="slidenum">
+            <a:fld id="{F54E899F-BD0B-4118-A411-9DB56A282124}" type="slidenum">
               <a:t>&lt;#&gt;</a:t>
             </a:fld>
           </a:p>
@@ -837,7 +837,7 @@
         <p:txBody>
           <a:bodyPr/>
           <a:p>
-            <a:fld id="{FF672109-383C-4CB1-A724-9BE796225274}" type="slidenum">
+            <a:fld id="{A5765275-96E6-4D5C-AE42-C170FC644FF0}" type="slidenum">
               <a:t>&lt;#&gt;</a:t>
             </a:fld>
           </a:p>
@@ -994,7 +994,7 @@
         <p:txBody>
           <a:bodyPr/>
           <a:p>
-            <a:fld id="{63313B46-2B89-42C4-A749-B93F485B3896}" type="slidenum">
+            <a:fld id="{E4038BBA-3879-41E1-A63E-D576ACE8BB93}" type="slidenum">
               <a:t>&lt;#&gt;</a:t>
             </a:fld>
           </a:p>
@@ -1148,7 +1148,7 @@
         <p:txBody>
           <a:bodyPr/>
           <a:p>
-            <a:fld id="{C6352FFF-9602-4501-A829-1377E2A62CBA}" type="slidenum">
+            <a:fld id="{1898BE95-0581-4E1F-B79C-7DCA69E87467}" type="slidenum">
               <a:t>&lt;#&gt;</a:t>
             </a:fld>
           </a:p>
@@ -1336,7 +1336,7 @@
         <p:txBody>
           <a:bodyPr/>
           <a:p>
-            <a:fld id="{BE8320A5-A593-4004-8A84-E892D7C9DF25}" type="slidenum">
+            <a:fld id="{FA086F88-B738-4E12-8E9D-6DF3DF5F6BD9}" type="slidenum">
               <a:t>&lt;#&gt;</a:t>
             </a:fld>
           </a:p>
@@ -1456,7 +1456,7 @@
         <p:txBody>
           <a:bodyPr/>
           <a:p>
-            <a:fld id="{57599835-A9CF-4E8F-8C70-0F10B0EFC403}" type="slidenum">
+            <a:fld id="{93F50A3B-6058-48D2-A179-AD765DA64551}" type="slidenum">
               <a:t>&lt;#&gt;</a:t>
             </a:fld>
           </a:p>
@@ -1576,7 +1576,7 @@
         <p:txBody>
           <a:bodyPr/>
           <a:p>
-            <a:fld id="{AD927E8E-B1F6-41B2-9916-849FBAF234E9}" type="slidenum">
+            <a:fld id="{1E657904-C448-4414-9EF9-35E325D142FF}" type="slidenum">
               <a:t>&lt;#&gt;</a:t>
             </a:fld>
           </a:p>
@@ -1798,7 +1798,7 @@
         <p:txBody>
           <a:bodyPr/>
           <a:p>
-            <a:fld id="{E22614AD-EF8D-402B-813B-F43A18E358D6}" type="slidenum">
+            <a:fld id="{C944400F-2D13-445E-A506-B12EFFCA41E9}" type="slidenum">
               <a:t>&lt;#&gt;</a:t>
             </a:fld>
           </a:p>
@@ -2020,7 +2020,7 @@
         <p:txBody>
           <a:bodyPr/>
           <a:p>
-            <a:fld id="{D0D00533-C517-4C6B-BDE8-578034F34603}" type="slidenum">
+            <a:fld id="{C274B692-23CE-447E-96B3-FBC9457255F7}" type="slidenum">
               <a:t>&lt;#&gt;</a:t>
             </a:fld>
           </a:p>
@@ -2242,7 +2242,7 @@
         <p:txBody>
           <a:bodyPr/>
           <a:p>
-            <a:fld id="{E726BD62-EA9B-431A-A4E0-4C615EF67408}" type="slidenum">
+            <a:fld id="{3EACDB38-E3B2-4A03-A9F1-E6673873603A}" type="slidenum">
               <a:t>&lt;#&gt;</a:t>
             </a:fld>
           </a:p>
@@ -2304,7 +2304,7 @@
         <p:spPr>
           <a:xfrm>
             <a:off x="3447360" y="5165280"/>
-            <a:ext cx="3193920" cy="389520"/>
+            <a:ext cx="3193560" cy="389160"/>
           </a:xfrm>
           <a:prstGeom prst="rect">
             <a:avLst/>
@@ -2340,7 +2340,7 @@
               <a:rPr b="0" lang="pt-BR" sz="1400" spc="-1" strike="noStrike">
                 <a:latin typeface="Times New Roman"/>
               </a:rPr>
-              <a:t> </a:t>
+              <a:t>&lt;rodapé&gt;</a:t>
             </a:r>
             <a:endParaRPr b="0" lang="pt-BR" sz="1400" spc="-1" strike="noStrike">
               <a:latin typeface="Times New Roman"/>
@@ -2361,7 +2361,7 @@
         <p:spPr>
           <a:xfrm>
             <a:off x="7227360" y="5165280"/>
-            <a:ext cx="2347200" cy="389520"/>
+            <a:ext cx="2346840" cy="389160"/>
           </a:xfrm>
           <a:prstGeom prst="rect">
             <a:avLst/>
@@ -2393,11 +2393,11 @@
               </a:lnSpc>
               <a:buNone/>
             </a:pPr>
-            <a:fld id="{376738B8-AAFE-4190-B81C-ACDFEC284E96}" type="slidenum">
+            <a:fld id="{7DE75DDD-8364-43B2-974D-7A1E7E9D6821}" type="slidenum">
               <a:rPr b="0" lang="pt-BR" sz="1400" spc="-1" strike="noStrike">
                 <a:latin typeface="Times New Roman"/>
               </a:rPr>
-              <a:t>5</a:t>
+              <a:t>&lt;número&gt;</a:t>
             </a:fld>
             <a:endParaRPr b="0" lang="pt-BR" sz="1400" spc="-1" strike="noStrike">
               <a:latin typeface="Times New Roman"/>
@@ -2418,7 +2418,7 @@
         <p:spPr>
           <a:xfrm>
             <a:off x="504000" y="5165280"/>
-            <a:ext cx="2347200" cy="389520"/>
+            <a:ext cx="2346840" cy="389160"/>
           </a:xfrm>
           <a:prstGeom prst="rect">
             <a:avLst/>
@@ -2444,7 +2444,7 @@
               <a:rPr b="0" lang="pt-BR" sz="1400" spc="-1" strike="noStrike">
                 <a:latin typeface="Times New Roman"/>
               </a:rPr>
-              <a:t> </a:t>
+              <a:t>&lt;data/hora&gt;</a:t>
             </a:r>
             <a:endParaRPr b="0" lang="pt-BR" sz="1400" spc="-1" strike="noStrike">
               <a:latin typeface="Times New Roman"/>
@@ -2728,7 +2728,7 @@
         <p:spPr>
           <a:xfrm>
             <a:off x="504000" y="0"/>
-            <a:ext cx="9070560" cy="945360"/>
+            <a:ext cx="9070200" cy="945000"/>
           </a:xfrm>
           <a:prstGeom prst="rect">
             <a:avLst/>
@@ -2770,7 +2770,7 @@
         <p:spPr>
           <a:xfrm>
             <a:off x="504360" y="4723560"/>
-            <a:ext cx="9070560" cy="945360"/>
+            <a:ext cx="9070200" cy="945000"/>
           </a:xfrm>
           <a:prstGeom prst="rect">
             <a:avLst/>
@@ -2856,7 +2856,7 @@
         <p:spPr>
           <a:xfrm>
             <a:off x="504000" y="0"/>
-            <a:ext cx="9070560" cy="945360"/>
+            <a:ext cx="9070200" cy="945000"/>
           </a:xfrm>
           <a:prstGeom prst="rect">
             <a:avLst/>
@@ -2898,7 +2898,7 @@
         <p:spPr>
           <a:xfrm>
             <a:off x="504360" y="853560"/>
-            <a:ext cx="9070560" cy="2028960"/>
+            <a:ext cx="9070200" cy="2028600"/>
           </a:xfrm>
           <a:prstGeom prst="rect">
             <a:avLst/>
@@ -2996,7 +2996,7 @@
         <p:spPr>
           <a:xfrm>
             <a:off x="5760000" y="2909880"/>
-            <a:ext cx="4139280" cy="2759040"/>
+            <a:ext cx="4138920" cy="2758680"/>
           </a:xfrm>
           <a:prstGeom prst="rect">
             <a:avLst/>
@@ -3015,7 +3015,7 @@
         <p:spPr>
           <a:xfrm>
             <a:off x="504720" y="5330880"/>
-            <a:ext cx="7054560" cy="248400"/>
+            <a:ext cx="7054200" cy="248040"/>
           </a:xfrm>
           <a:prstGeom prst="rect">
             <a:avLst/>
@@ -3143,7 +3143,7 @@
         <p:spPr>
           <a:xfrm>
             <a:off x="504000" y="0"/>
-            <a:ext cx="9070560" cy="945360"/>
+            <a:ext cx="9070200" cy="945000"/>
           </a:xfrm>
           <a:prstGeom prst="rect">
             <a:avLst/>
@@ -3185,7 +3185,7 @@
         <p:spPr>
           <a:xfrm>
             <a:off x="504720" y="5330880"/>
-            <a:ext cx="9394560" cy="248400"/>
+            <a:ext cx="9394200" cy="248040"/>
           </a:xfrm>
           <a:prstGeom prst="rect">
             <a:avLst/>
@@ -3279,7 +3279,7 @@
         <p:spPr>
           <a:xfrm>
             <a:off x="504720" y="852480"/>
-            <a:ext cx="9070560" cy="811080"/>
+            <a:ext cx="9070200" cy="810720"/>
           </a:xfrm>
           <a:prstGeom prst="rect">
             <a:avLst/>
@@ -3337,7 +3337,7 @@
         <p:spPr>
           <a:xfrm>
             <a:off x="504720" y="1563840"/>
-            <a:ext cx="9070560" cy="406440"/>
+            <a:ext cx="9070200" cy="406080"/>
           </a:xfrm>
           <a:prstGeom prst="rect">
             <a:avLst/>
@@ -3776,7 +3776,7 @@
         <p:spPr>
           <a:xfrm>
             <a:off x="504000" y="0"/>
-            <a:ext cx="9070560" cy="945360"/>
+            <a:ext cx="9070200" cy="945000"/>
           </a:xfrm>
           <a:prstGeom prst="rect">
             <a:avLst/>
@@ -3818,7 +3818,7 @@
         <p:spPr>
           <a:xfrm>
             <a:off x="504720" y="5220000"/>
-            <a:ext cx="9394560" cy="248400"/>
+            <a:ext cx="9394200" cy="248040"/>
           </a:xfrm>
           <a:prstGeom prst="rect">
             <a:avLst/>
@@ -3912,7 +3912,7 @@
         <p:spPr>
           <a:xfrm>
             <a:off x="504720" y="852480"/>
-            <a:ext cx="9070560" cy="811080"/>
+            <a:ext cx="9070200" cy="810720"/>
           </a:xfrm>
           <a:prstGeom prst="rect">
             <a:avLst/>
@@ -4289,55 +4289,13 @@
       <p:sp>
         <p:nvSpPr>
           <p:cNvPr id="54" name="PlaceHolder 2"/>
-          <p:cNvSpPr txBox="1"/>
-          <p:nvPr/>
-        </p:nvSpPr>
-        <p:spPr>
-          <a:xfrm>
-            <a:off x="504000" y="0"/>
-            <a:ext cx="9070560" cy="945360"/>
-          </a:xfrm>
-          <a:prstGeom prst="rect">
-            <a:avLst/>
-          </a:prstGeom>
-          <a:noFill/>
-          <a:ln w="0">
-            <a:noFill/>
-          </a:ln>
-        </p:spPr>
-        <p:txBody>
-          <a:bodyPr lIns="0" rIns="0" tIns="0" bIns="0" anchor="ctr">
-            <a:noAutofit/>
-          </a:bodyPr>
-          <a:p>
-            <a:pPr>
-              <a:lnSpc>
-                <a:spcPct val="100000"/>
-              </a:lnSpc>
-              <a:buNone/>
-            </a:pPr>
-            <a:r>
-              <a:rPr b="0" lang="pt-BR" sz="3200" spc="-1" strike="noStrike">
-                <a:latin typeface="DejaVu Math TeX Gyre"/>
-              </a:rPr>
-              <a:t>Vantagens e desvantagens</a:t>
-            </a:r>
-            <a:endParaRPr b="0" lang="pt-BR" sz="3200" spc="-1" strike="noStrike">
-              <a:latin typeface="Arial"/>
-            </a:endParaRPr>
-          </a:p>
-        </p:txBody>
-      </p:sp>
-      <p:sp>
-        <p:nvSpPr>
-          <p:cNvPr id="55" name=""/>
           <p:cNvSpPr/>
           <p:nvPr/>
         </p:nvSpPr>
         <p:spPr>
           <a:xfrm>
-            <a:off x="504360" y="935280"/>
-            <a:ext cx="9070560" cy="2028960"/>
+            <a:off x="504000" y="0"/>
+            <a:ext cx="9070200" cy="945000"/>
           </a:xfrm>
           <a:prstGeom prst="rect">
             <a:avLst/>
@@ -4354,7 +4312,7 @@
           <a:fontRef idx="minor"/>
         </p:style>
         <p:txBody>
-          <a:bodyPr lIns="0" rIns="0" tIns="0" bIns="0" anchor="t">
+          <a:bodyPr lIns="0" rIns="0" tIns="0" bIns="0" anchor="ctr">
             <a:noAutofit/>
           </a:bodyPr>
           <a:p>
@@ -4365,157 +4323,27 @@
               <a:buNone/>
             </a:pPr>
             <a:r>
-              <a:rPr b="0" lang="pt-BR" sz="1600" spc="-1" strike="noStrike">
-                <a:solidFill>
-                  <a:srgbClr val="000000"/>
-                </a:solidFill>
-                <a:latin typeface="DejaVu Math TeX Gyre"/>
-                <a:ea typeface="DejaVu Sans"/>
-              </a:rPr>
-              <a:t>Vantagens:</a:t>
-            </a:r>
-            <a:endParaRPr b="0" lang="pt-BR" sz="1600" spc="-1" strike="noStrike">
-              <a:latin typeface="Arial"/>
-            </a:endParaRPr>
-          </a:p>
-          <a:p>
-            <a:pPr marL="360000">
-              <a:lnSpc>
-                <a:spcPct val="100000"/>
-              </a:lnSpc>
-              <a:buNone/>
-            </a:pPr>
-            <a:r>
-              <a:rPr b="0" lang="pt-BR" sz="1600" spc="-1" strike="noStrike">
-                <a:solidFill>
-                  <a:srgbClr val="000000"/>
-                </a:solidFill>
-                <a:latin typeface="DejaVu Math TeX Gyre"/>
-                <a:ea typeface="DejaVu Sans"/>
-              </a:rPr>
-              <a:t>Alta demanda</a:t>
-            </a:r>
-            <a:endParaRPr b="0" lang="pt-BR" sz="1600" spc="-1" strike="noStrike">
-              <a:latin typeface="Arial"/>
-            </a:endParaRPr>
-          </a:p>
-          <a:p>
-            <a:pPr marL="360000">
-              <a:lnSpc>
-                <a:spcPct val="100000"/>
-              </a:lnSpc>
-              <a:buNone/>
-            </a:pPr>
-            <a:r>
-              <a:rPr b="0" lang="pt-BR" sz="1600" spc="-1" strike="noStrike">
-                <a:solidFill>
-                  <a:srgbClr val="000000"/>
-                </a:solidFill>
-                <a:latin typeface="DejaVu Math TeX Gyre"/>
-                <a:ea typeface="DejaVu Sans"/>
-              </a:rPr>
-              <a:t>Salários altos</a:t>
-            </a:r>
-            <a:endParaRPr b="0" lang="pt-BR" sz="1600" spc="-1" strike="noStrike">
-              <a:latin typeface="Arial"/>
-            </a:endParaRPr>
-          </a:p>
-          <a:p>
-            <a:pPr marL="360000">
-              <a:lnSpc>
-                <a:spcPct val="100000"/>
-              </a:lnSpc>
-              <a:buNone/>
-            </a:pPr>
-            <a:r>
-              <a:rPr b="0" lang="pt-BR" sz="1600" spc="-1" strike="noStrike">
-                <a:solidFill>
-                  <a:srgbClr val="000000"/>
-                </a:solidFill>
-                <a:latin typeface="DejaVu Math TeX Gyre"/>
-                <a:ea typeface="DejaVu Sans"/>
-              </a:rPr>
-              <a:t>Multidisciplinaridade</a:t>
-            </a:r>
-            <a:endParaRPr b="0" lang="pt-BR" sz="1600" spc="-1" strike="noStrike">
-              <a:latin typeface="Arial"/>
-            </a:endParaRPr>
-          </a:p>
-          <a:p>
-            <a:pPr>
-              <a:lnSpc>
-                <a:spcPct val="100000"/>
-              </a:lnSpc>
-              <a:buNone/>
-            </a:pPr>
-            <a:r>
-              <a:rPr b="0" lang="pt-BR" sz="1600" spc="-1" strike="noStrike">
-                <a:solidFill>
-                  <a:srgbClr val="000000"/>
-                </a:solidFill>
-                <a:latin typeface="DejaVu Math TeX Gyre"/>
-                <a:ea typeface="DejaVu Sans"/>
-              </a:rPr>
-              <a:t>Desvantagens:</a:t>
-            </a:r>
-            <a:endParaRPr b="0" lang="pt-BR" sz="1600" spc="-1" strike="noStrike">
-              <a:latin typeface="Arial"/>
-            </a:endParaRPr>
-          </a:p>
-          <a:p>
-            <a:pPr marL="360000">
-              <a:lnSpc>
-                <a:spcPct val="100000"/>
-              </a:lnSpc>
-              <a:buNone/>
-            </a:pPr>
-            <a:r>
-              <a:rPr b="0" lang="pt-BR" sz="1600" spc="-1" strike="noStrike">
-                <a:solidFill>
-                  <a:srgbClr val="000000"/>
-                </a:solidFill>
-                <a:latin typeface="DejaVu Math TeX Gyre"/>
-                <a:ea typeface="DejaVu Sans"/>
-              </a:rPr>
-              <a:t>Alta pressão</a:t>
-            </a:r>
-            <a:endParaRPr b="0" lang="pt-BR" sz="1600" spc="-1" strike="noStrike">
-              <a:latin typeface="Arial"/>
-            </a:endParaRPr>
-          </a:p>
-          <a:p>
-            <a:pPr marL="360000">
-              <a:lnSpc>
-                <a:spcPct val="100000"/>
-              </a:lnSpc>
-              <a:buNone/>
-            </a:pPr>
-            <a:r>
-              <a:rPr b="0" lang="pt-BR" sz="1600" spc="-1" strike="noStrike">
-                <a:solidFill>
-                  <a:srgbClr val="000000"/>
-                </a:solidFill>
-                <a:latin typeface="DejaVu Math TeX Gyre"/>
-                <a:ea typeface="DejaVu Sans"/>
-              </a:rPr>
-              <a:t>Necessidade de manter-se atualizado</a:t>
-            </a:r>
-            <a:endParaRPr b="0" lang="pt-BR" sz="1600" spc="-1" strike="noStrike">
-              <a:latin typeface="Arial"/>
-            </a:endParaRPr>
-          </a:p>
-        </p:txBody>
-      </p:sp>
-      <p:sp>
-        <p:nvSpPr>
-          <p:cNvPr id="56" name=""/>
+              <a:rPr b="0" lang="pt-BR" sz="3200" spc="-1" strike="noStrike">
+                <a:latin typeface="DejaVu Math TeX Gyre"/>
+              </a:rPr>
+              <a:t>Vantagens e desvantagens</a:t>
+            </a:r>
+            <a:endParaRPr b="0" lang="pt-BR" sz="3200" spc="-1" strike="noStrike">
+              <a:latin typeface="Arial"/>
+            </a:endParaRPr>
+          </a:p>
+        </p:txBody>
+      </p:sp>
+      <p:sp>
+        <p:nvSpPr>
+          <p:cNvPr id="55" name=""/>
           <p:cNvSpPr/>
           <p:nvPr/>
         </p:nvSpPr>
         <p:spPr>
           <a:xfrm>
-            <a:off x="504720" y="5331600"/>
-            <a:ext cx="8854560" cy="248400"/>
+            <a:off x="504360" y="935280"/>
+            <a:ext cx="9070200" cy="2028600"/>
           </a:xfrm>
           <a:prstGeom prst="rect">
             <a:avLst/>
@@ -4543,6 +4371,219 @@
               <a:buNone/>
             </a:pPr>
             <a:r>
+              <a:rPr b="0" lang="pt-BR" sz="1600" spc="-1" strike="noStrike">
+                <a:solidFill>
+                  <a:srgbClr val="000000"/>
+                </a:solidFill>
+                <a:latin typeface="DejaVu Math TeX Gyre"/>
+                <a:ea typeface="DejaVu Sans"/>
+              </a:rPr>
+              <a:t>Vantagens:</a:t>
+            </a:r>
+            <a:endParaRPr b="0" lang="pt-BR" sz="1600" spc="-1" strike="noStrike">
+              <a:latin typeface="Arial"/>
+            </a:endParaRPr>
+          </a:p>
+          <a:p>
+            <a:pPr marL="216000" indent="-216000">
+              <a:lnSpc>
+                <a:spcPct val="100000"/>
+              </a:lnSpc>
+              <a:buClr>
+                <a:srgbClr val="000000"/>
+              </a:buClr>
+              <a:buSzPct val="45000"/>
+              <a:buFont typeface="Wingdings" charset="2"/>
+              <a:buChar char=""/>
+            </a:pPr>
+            <a:r>
+              <a:rPr b="0" lang="pt-BR" sz="1600" spc="-1" strike="noStrike">
+                <a:solidFill>
+                  <a:srgbClr val="000000"/>
+                </a:solidFill>
+                <a:latin typeface="DejaVu Math TeX Gyre"/>
+                <a:ea typeface="DejaVu Sans"/>
+              </a:rPr>
+              <a:t>Alta demanda</a:t>
+            </a:r>
+            <a:endParaRPr b="0" lang="pt-BR" sz="1600" spc="-1" strike="noStrike">
+              <a:latin typeface="Arial"/>
+            </a:endParaRPr>
+          </a:p>
+          <a:p>
+            <a:pPr marL="216000" indent="-216000">
+              <a:lnSpc>
+                <a:spcPct val="100000"/>
+              </a:lnSpc>
+              <a:buClr>
+                <a:srgbClr val="000000"/>
+              </a:buClr>
+              <a:buSzPct val="45000"/>
+              <a:buFont typeface="Wingdings" charset="2"/>
+              <a:buChar char=""/>
+            </a:pPr>
+            <a:r>
+              <a:rPr b="0" lang="pt-BR" sz="1600" spc="-1" strike="noStrike">
+                <a:solidFill>
+                  <a:srgbClr val="000000"/>
+                </a:solidFill>
+                <a:latin typeface="DejaVu Math TeX Gyre"/>
+                <a:ea typeface="DejaVu Sans"/>
+              </a:rPr>
+              <a:t>Salários altos</a:t>
+            </a:r>
+            <a:endParaRPr b="0" lang="pt-BR" sz="1600" spc="-1" strike="noStrike">
+              <a:latin typeface="Arial"/>
+            </a:endParaRPr>
+          </a:p>
+          <a:p>
+            <a:pPr marL="216000" indent="-216000">
+              <a:lnSpc>
+                <a:spcPct val="100000"/>
+              </a:lnSpc>
+              <a:buClr>
+                <a:srgbClr val="000000"/>
+              </a:buClr>
+              <a:buSzPct val="45000"/>
+              <a:buFont typeface="Wingdings" charset="2"/>
+              <a:buChar char=""/>
+            </a:pPr>
+            <a:r>
+              <a:rPr b="0" lang="pt-BR" sz="1600" spc="-1" strike="noStrike">
+                <a:solidFill>
+                  <a:srgbClr val="000000"/>
+                </a:solidFill>
+                <a:latin typeface="DejaVu Math TeX Gyre"/>
+                <a:ea typeface="DejaVu Sans"/>
+              </a:rPr>
+              <a:t>Multidisciplinaridade</a:t>
+            </a:r>
+            <a:endParaRPr b="0" lang="pt-BR" sz="1600" spc="-1" strike="noStrike">
+              <a:latin typeface="Arial"/>
+            </a:endParaRPr>
+          </a:p>
+          <a:p>
+            <a:pPr>
+              <a:lnSpc>
+                <a:spcPct val="100000"/>
+              </a:lnSpc>
+              <a:buNone/>
+            </a:pPr>
+            <a:r>
+              <a:rPr b="0" lang="pt-BR" sz="1600" spc="-1" strike="noStrike">
+                <a:solidFill>
+                  <a:srgbClr val="000000"/>
+                </a:solidFill>
+                <a:latin typeface="DejaVu Math TeX Gyre"/>
+                <a:ea typeface="DejaVu Sans"/>
+              </a:rPr>
+              <a:t>Desvantagens:</a:t>
+            </a:r>
+            <a:endParaRPr b="0" lang="pt-BR" sz="1600" spc="-1" strike="noStrike">
+              <a:latin typeface="Arial"/>
+            </a:endParaRPr>
+          </a:p>
+          <a:p>
+            <a:pPr marL="216000" indent="-216000">
+              <a:lnSpc>
+                <a:spcPct val="100000"/>
+              </a:lnSpc>
+              <a:buClr>
+                <a:srgbClr val="000000"/>
+              </a:buClr>
+              <a:buSzPct val="45000"/>
+              <a:buFont typeface="Wingdings" charset="2"/>
+              <a:buChar char=""/>
+            </a:pPr>
+            <a:r>
+              <a:rPr b="0" lang="pt-BR" sz="1600" spc="-1" strike="noStrike">
+                <a:solidFill>
+                  <a:srgbClr val="000000"/>
+                </a:solidFill>
+                <a:latin typeface="DejaVu Math TeX Gyre"/>
+                <a:ea typeface="DejaVu Sans"/>
+              </a:rPr>
+              <a:t>Alta pressão</a:t>
+            </a:r>
+            <a:endParaRPr b="0" lang="pt-BR" sz="1600" spc="-1" strike="noStrike">
+              <a:latin typeface="Arial"/>
+            </a:endParaRPr>
+          </a:p>
+          <a:p>
+            <a:pPr marL="216000" indent="-216000">
+              <a:lnSpc>
+                <a:spcPct val="100000"/>
+              </a:lnSpc>
+              <a:buClr>
+                <a:srgbClr val="000000"/>
+              </a:buClr>
+              <a:buSzPct val="45000"/>
+              <a:buFont typeface="Wingdings" charset="2"/>
+              <a:buChar char=""/>
+            </a:pPr>
+            <a:r>
+              <a:rPr b="0" lang="pt-BR" sz="1600" spc="-1" strike="noStrike">
+                <a:solidFill>
+                  <a:srgbClr val="000000"/>
+                </a:solidFill>
+                <a:latin typeface="DejaVu Math TeX Gyre"/>
+                <a:ea typeface="DejaVu Sans"/>
+              </a:rPr>
+              <a:t>Necessidade de manter-se atualizado</a:t>
+            </a:r>
+            <a:r>
+              <a:rPr b="0" lang="pt-BR" sz="1600" spc="-1" strike="noStrike" baseline="33000">
+                <a:solidFill>
+                  <a:srgbClr val="000000"/>
+                </a:solidFill>
+                <a:latin typeface="DejaVu Math TeX Gyre"/>
+                <a:ea typeface="DejaVu Sans"/>
+              </a:rPr>
+              <a:t>[4]</a:t>
+            </a:r>
+            <a:endParaRPr b="0" lang="pt-BR" sz="1600" spc="-1" strike="noStrike">
+              <a:latin typeface="Arial"/>
+            </a:endParaRPr>
+          </a:p>
+        </p:txBody>
+      </p:sp>
+      <p:sp>
+        <p:nvSpPr>
+          <p:cNvPr id="56" name=""/>
+          <p:cNvSpPr/>
+          <p:nvPr/>
+        </p:nvSpPr>
+        <p:spPr>
+          <a:xfrm>
+            <a:off x="504720" y="5331600"/>
+            <a:ext cx="8854200" cy="248040"/>
+          </a:xfrm>
+          <a:prstGeom prst="rect">
+            <a:avLst/>
+          </a:prstGeom>
+          <a:noFill/>
+          <a:ln w="0">
+            <a:noFill/>
+          </a:ln>
+        </p:spPr>
+        <p:style>
+          <a:lnRef idx="0"/>
+          <a:fillRef idx="0"/>
+          <a:effectRef idx="0"/>
+          <a:fontRef idx="minor"/>
+        </p:style>
+        <p:txBody>
+          <a:bodyPr lIns="0" rIns="0" tIns="0" bIns="0" anchor="t">
+            <a:noAutofit/>
+          </a:bodyPr>
+          <a:p>
+            <a:pPr>
+              <a:lnSpc>
+                <a:spcPct val="100000"/>
+              </a:lnSpc>
+              <a:buNone/>
+            </a:pPr>
+            <a:r>
               <a:rPr b="0" lang="pt-BR" sz="800" spc="-1" strike="noStrike">
                 <a:solidFill>
                   <a:srgbClr val="000000"/>
@@ -4573,10 +4614,11 @@
               <a:t>Fonte: &lt;</a:t>
             </a:r>
             <a:r>
-              <a:rPr b="0" lang="pt-BR" sz="800" spc="-1" strike="noStrike">
-                <a:solidFill>
-                  <a:srgbClr val="000000"/>
-                </a:solidFill>
+              <a:rPr b="0" lang="pt-BR" sz="800" spc="-1" strike="noStrike" u="sng">
+                <a:solidFill>
+                  <a:srgbClr val="0000ff"/>
+                </a:solidFill>
+                <a:uFillTx/>
                 <a:latin typeface="DejaVu Math TeX Gyre"/>
                 <a:ea typeface="Noto Sans CJK SC"/>
                 <a:hlinkClick r:id="rId1"/>
@@ -4642,7 +4684,7 @@
         <p:spPr>
           <a:xfrm>
             <a:off x="504000" y="0"/>
-            <a:ext cx="9070560" cy="945360"/>
+            <a:ext cx="9070200" cy="945000"/>
           </a:xfrm>
           <a:prstGeom prst="rect">
             <a:avLst/>
@@ -4684,7 +4726,7 @@
         <p:spPr>
           <a:xfrm>
             <a:off x="504720" y="5220000"/>
-            <a:ext cx="8854560" cy="248400"/>
+            <a:ext cx="8854200" cy="248040"/>
           </a:xfrm>
           <a:prstGeom prst="rect">
             <a:avLst/>
@@ -4841,7 +4883,7 @@
         <p:spPr>
           <a:xfrm>
             <a:off x="504720" y="852480"/>
-            <a:ext cx="9070560" cy="811080"/>
+            <a:ext cx="9070200" cy="810720"/>
           </a:xfrm>
           <a:prstGeom prst="rect">
             <a:avLst/>
@@ -5065,7 +5107,7 @@
         <p:spPr>
           <a:xfrm>
             <a:off x="504000" y="0"/>
-            <a:ext cx="9070560" cy="945360"/>
+            <a:ext cx="9070200" cy="945000"/>
           </a:xfrm>
           <a:prstGeom prst="rect">
             <a:avLst/>
@@ -5107,7 +5149,7 @@
         <p:spPr>
           <a:xfrm>
             <a:off x="504720" y="852480"/>
-            <a:ext cx="9070560" cy="811080"/>
+            <a:ext cx="9070200" cy="810720"/>
           </a:xfrm>
           <a:prstGeom prst="rect">
             <a:avLst/>
@@ -5167,7 +5209,7 @@
               <a:buClr>
                 <a:srgbClr val="000000"/>
               </a:buClr>
-              <a:buFont typeface="Symbol" charset="2"/>
+              <a:buFont typeface="Symbol"/>
               <a:buChar char=""/>
             </a:pPr>
             <a:r>
@@ -5192,7 +5234,7 @@
               <a:buClr>
                 <a:srgbClr val="000000"/>
               </a:buClr>
-              <a:buFont typeface="Symbol" charset="2"/>
+              <a:buFont typeface="Symbol"/>
               <a:buChar char=""/>
             </a:pPr>
             <a:r>
@@ -5217,7 +5259,7 @@
               <a:buClr>
                 <a:srgbClr val="000000"/>
               </a:buClr>
-              <a:buFont typeface="Symbol" charset="2"/>
+              <a:buFont typeface="Symbol"/>
               <a:buChar char=""/>
             </a:pPr>
             <a:r>
